--- a/trunk/docs/Entregables/Presentacion Final/SAFE presentacion final.pptx
+++ b/trunk/docs/Entregables/Presentacion Final/SAFE presentacion final.pptx
@@ -5892,15 +5892,15 @@
     </dgm:pt>
   </dgm:ptLst>
   <dgm:cxnLst>
+    <dgm:cxn modelId="{C2B5BD35-3A8D-4436-AF14-B55E49A76AD5}" srcId="{E72BE9B6-5D7D-4510-9608-D638F3C36E6C}" destId="{6DA34338-A682-4F3B-9CF1-3AF70D7F63A0}" srcOrd="2" destOrd="0" parTransId="{1450A7B7-53F6-46D8-B216-84FC81BE4C1C}" sibTransId="{8A225BD9-EDFE-49B5-A97D-BB5B55CEE467}"/>
     <dgm:cxn modelId="{122CD5E2-50A7-4937-8CF7-504BF17C2128}" type="presOf" srcId="{E72BE9B6-5D7D-4510-9608-D638F3C36E6C}" destId="{D32CA8B8-15F8-4232-8B58-F4F4AADF62D7}" srcOrd="0" destOrd="0" presId="urn:microsoft.com/office/officeart/2005/8/layout/funnel1"/>
-    <dgm:cxn modelId="{C2B5BD35-3A8D-4436-AF14-B55E49A76AD5}" srcId="{E72BE9B6-5D7D-4510-9608-D638F3C36E6C}" destId="{6DA34338-A682-4F3B-9CF1-3AF70D7F63A0}" srcOrd="2" destOrd="0" parTransId="{1450A7B7-53F6-46D8-B216-84FC81BE4C1C}" sibTransId="{8A225BD9-EDFE-49B5-A97D-BB5B55CEE467}"/>
     <dgm:cxn modelId="{2AAE3D1C-7E49-4873-A8ED-3381C232AC0F}" type="presOf" srcId="{E1D1B890-D0A4-4612-B27B-86E50ED23A6F}" destId="{14523A8B-B089-469A-A801-105A403712F4}" srcOrd="0" destOrd="0" presId="urn:microsoft.com/office/officeart/2005/8/layout/funnel1"/>
+    <dgm:cxn modelId="{12DD275D-48D4-4126-B4A6-72DBC6A4766A}" srcId="{E72BE9B6-5D7D-4510-9608-D638F3C36E6C}" destId="{E1D1B890-D0A4-4612-B27B-86E50ED23A6F}" srcOrd="1" destOrd="0" parTransId="{7ABCB834-15DA-44D4-BD7E-6F6208B271D1}" sibTransId="{101CC18E-E70B-45FE-B260-1B968AC2D701}"/>
     <dgm:cxn modelId="{9939D943-C402-4D0F-9043-D042FCA9468B}" srcId="{E72BE9B6-5D7D-4510-9608-D638F3C36E6C}" destId="{F4025B3C-E822-460C-96DD-34B3AF316A10}" srcOrd="3" destOrd="0" parTransId="{E364835B-9A30-4E7B-8B58-A211A1FB2385}" sibTransId="{DEA7068E-A4FB-4929-A1D0-8C9A5C899E6C}"/>
+    <dgm:cxn modelId="{6BE2F57A-249C-4BFB-89BB-20E23B3723EF}" type="presOf" srcId="{55DB6626-8B84-4C93-9A42-1A9F78F77A64}" destId="{FE32E634-7B16-4B91-A842-542865FB9A0E}" srcOrd="0" destOrd="0" presId="urn:microsoft.com/office/officeart/2005/8/layout/funnel1"/>
     <dgm:cxn modelId="{C68D3775-CA08-4B33-95B9-A12C54E20B7F}" type="presOf" srcId="{6DA34338-A682-4F3B-9CF1-3AF70D7F63A0}" destId="{A7B5F6E8-70E4-4BB8-8285-3DC45AFB8377}" srcOrd="0" destOrd="0" presId="urn:microsoft.com/office/officeart/2005/8/layout/funnel1"/>
-    <dgm:cxn modelId="{12DD275D-48D4-4126-B4A6-72DBC6A4766A}" srcId="{E72BE9B6-5D7D-4510-9608-D638F3C36E6C}" destId="{E1D1B890-D0A4-4612-B27B-86E50ED23A6F}" srcOrd="1" destOrd="0" parTransId="{7ABCB834-15DA-44D4-BD7E-6F6208B271D1}" sibTransId="{101CC18E-E70B-45FE-B260-1B968AC2D701}"/>
-    <dgm:cxn modelId="{6BE2F57A-249C-4BFB-89BB-20E23B3723EF}" type="presOf" srcId="{55DB6626-8B84-4C93-9A42-1A9F78F77A64}" destId="{FE32E634-7B16-4B91-A842-542865FB9A0E}" srcOrd="0" destOrd="0" presId="urn:microsoft.com/office/officeart/2005/8/layout/funnel1"/>
+    <dgm:cxn modelId="{A469EC16-A546-4BB6-AD1D-A97138646305}" srcId="{E72BE9B6-5D7D-4510-9608-D638F3C36E6C}" destId="{55DB6626-8B84-4C93-9A42-1A9F78F77A64}" srcOrd="0" destOrd="0" parTransId="{10063F20-8E3E-44EA-A890-F8A6FA53E20F}" sibTransId="{F8CB95E5-1273-45C3-9874-76DACF54001E}"/>
     <dgm:cxn modelId="{94956DED-C481-423B-9EDA-6F6A7A187C3E}" type="presOf" srcId="{F4025B3C-E822-460C-96DD-34B3AF316A10}" destId="{2DDD5C34-B747-4129-812B-3BCFECF18D40}" srcOrd="0" destOrd="0" presId="urn:microsoft.com/office/officeart/2005/8/layout/funnel1"/>
-    <dgm:cxn modelId="{A469EC16-A546-4BB6-AD1D-A97138646305}" srcId="{E72BE9B6-5D7D-4510-9608-D638F3C36E6C}" destId="{55DB6626-8B84-4C93-9A42-1A9F78F77A64}" srcOrd="0" destOrd="0" parTransId="{10063F20-8E3E-44EA-A890-F8A6FA53E20F}" sibTransId="{F8CB95E5-1273-45C3-9874-76DACF54001E}"/>
     <dgm:cxn modelId="{F3AC757D-89DC-4B65-A9A4-2B219ECBBD55}" type="presParOf" srcId="{D32CA8B8-15F8-4232-8B58-F4F4AADF62D7}" destId="{D5CF9B35-4508-4AF1-8FA3-61A645407DE1}" srcOrd="0" destOrd="0" presId="urn:microsoft.com/office/officeart/2005/8/layout/funnel1"/>
     <dgm:cxn modelId="{07719092-539F-457E-ADA4-AEB58B997B3B}" type="presParOf" srcId="{D32CA8B8-15F8-4232-8B58-F4F4AADF62D7}" destId="{21EA8113-BF9F-4DCB-B412-F87B5CEB145D}" srcOrd="1" destOrd="0" presId="urn:microsoft.com/office/officeart/2005/8/layout/funnel1"/>
     <dgm:cxn modelId="{8CA301F8-0230-4AB1-91A8-38E3EAADF5C0}" type="presParOf" srcId="{D32CA8B8-15F8-4232-8B58-F4F4AADF62D7}" destId="{2DDD5C34-B747-4129-812B-3BCFECF18D40}" srcOrd="2" destOrd="0" presId="urn:microsoft.com/office/officeart/2005/8/layout/funnel1"/>
@@ -6693,18 +6693,18 @@
     </dgm:pt>
   </dgm:ptLst>
   <dgm:cxnLst>
+    <dgm:cxn modelId="{ACDCC0E1-B0D2-4B1F-A6E2-9676D9F92F16}" type="presOf" srcId="{F76E200D-18A1-4D1A-BE4D-8AECB3C7FED6}" destId="{2A452FC3-A84F-4B14-8626-A25BD9496BBA}" srcOrd="0" destOrd="0" presId="urn:microsoft.com/office/officeart/2008/layout/VerticalCurvedList"/>
+    <dgm:cxn modelId="{B2D8B5D6-CDA4-4398-A8D2-3130BB0AEF8C}" type="presOf" srcId="{C77DF354-B1E3-429F-ADC3-7EF646E458DC}" destId="{A4BC1B11-9389-4D53-B486-91759DBDA7E0}" srcOrd="0" destOrd="0" presId="urn:microsoft.com/office/officeart/2008/layout/VerticalCurvedList"/>
+    <dgm:cxn modelId="{45E04B88-F9DE-4108-9307-B88241860AB2}" srcId="{F76E200D-18A1-4D1A-BE4D-8AECB3C7FED6}" destId="{ADC002E2-B30C-4AD2-AC6E-D34F6BA7EB85}" srcOrd="1" destOrd="0" parTransId="{356E0FA4-3A27-4F3C-B669-F7AB4E3E4229}" sibTransId="{67ADBA66-7F44-4C2A-8D27-17A4DFBFB655}"/>
+    <dgm:cxn modelId="{297F9405-5BBA-4A7F-808D-BC2F9A37C40E}" srcId="{F76E200D-18A1-4D1A-BE4D-8AECB3C7FED6}" destId="{C77DF354-B1E3-429F-ADC3-7EF646E458DC}" srcOrd="4" destOrd="0" parTransId="{E585EEA5-E5A6-41AE-8252-F7C1B00A38AB}" sibTransId="{1906DD0C-EF76-42F4-9FE4-735517481FF2}"/>
+    <dgm:cxn modelId="{80DF296F-F9A3-4177-9C09-8910CC3C33ED}" srcId="{F76E200D-18A1-4D1A-BE4D-8AECB3C7FED6}" destId="{6E26A000-B6C8-462A-BAEA-954221459F77}" srcOrd="3" destOrd="0" parTransId="{D348CD4E-E2E1-4E86-889C-C3D152379AC1}" sibTransId="{3D19755E-73DC-4261-9CD7-7349BDF686B5}"/>
+    <dgm:cxn modelId="{1D850249-7EC3-4025-8388-418540B45615}" srcId="{F76E200D-18A1-4D1A-BE4D-8AECB3C7FED6}" destId="{9610AEDA-3F09-4974-8DFC-9CFD619535AB}" srcOrd="2" destOrd="0" parTransId="{81B61B14-2D55-43AB-867D-BD1E548EA22E}" sibTransId="{4D5A4DA3-8020-4A4B-8E40-9FD5B48D0F91}"/>
     <dgm:cxn modelId="{831457EF-C404-4C27-BA91-8B777A503967}" type="presOf" srcId="{85A00CEA-4814-4C30-A78B-C0C86518D8FF}" destId="{F8CBC821-6587-4F88-B5C4-4F56E6B4565B}" srcOrd="0" destOrd="0" presId="urn:microsoft.com/office/officeart/2008/layout/VerticalCurvedList"/>
+    <dgm:cxn modelId="{CAF543CF-8AAF-45B5-8629-B145DBB959E3}" type="presOf" srcId="{6E26A000-B6C8-462A-BAEA-954221459F77}" destId="{AE845C0C-226D-42C0-862A-A51F7223B310}" srcOrd="0" destOrd="0" presId="urn:microsoft.com/office/officeart/2008/layout/VerticalCurvedList"/>
+    <dgm:cxn modelId="{1C2C5951-6B1F-4005-AABA-5CB0CEFCABDA}" type="presOf" srcId="{ADC002E2-B30C-4AD2-AC6E-D34F6BA7EB85}" destId="{6FF6C3F5-9EAE-4D5F-AB4C-7A7960F6BDBF}" srcOrd="0" destOrd="0" presId="urn:microsoft.com/office/officeart/2008/layout/VerticalCurvedList"/>
     <dgm:cxn modelId="{13C2D135-A05D-487B-AC97-F8375715B627}" type="presOf" srcId="{9610AEDA-3F09-4974-8DFC-9CFD619535AB}" destId="{6EF94CF6-F2C0-4460-AE96-034CA6A16DC8}" srcOrd="0" destOrd="0" presId="urn:microsoft.com/office/officeart/2008/layout/VerticalCurvedList"/>
-    <dgm:cxn modelId="{297F9405-5BBA-4A7F-808D-BC2F9A37C40E}" srcId="{F76E200D-18A1-4D1A-BE4D-8AECB3C7FED6}" destId="{C77DF354-B1E3-429F-ADC3-7EF646E458DC}" srcOrd="4" destOrd="0" parTransId="{E585EEA5-E5A6-41AE-8252-F7C1B00A38AB}" sibTransId="{1906DD0C-EF76-42F4-9FE4-735517481FF2}"/>
-    <dgm:cxn modelId="{B2D8B5D6-CDA4-4398-A8D2-3130BB0AEF8C}" type="presOf" srcId="{C77DF354-B1E3-429F-ADC3-7EF646E458DC}" destId="{A4BC1B11-9389-4D53-B486-91759DBDA7E0}" srcOrd="0" destOrd="0" presId="urn:microsoft.com/office/officeart/2008/layout/VerticalCurvedList"/>
-    <dgm:cxn modelId="{1D850249-7EC3-4025-8388-418540B45615}" srcId="{F76E200D-18A1-4D1A-BE4D-8AECB3C7FED6}" destId="{9610AEDA-3F09-4974-8DFC-9CFD619535AB}" srcOrd="2" destOrd="0" parTransId="{81B61B14-2D55-43AB-867D-BD1E548EA22E}" sibTransId="{4D5A4DA3-8020-4A4B-8E40-9FD5B48D0F91}"/>
-    <dgm:cxn modelId="{80DF296F-F9A3-4177-9C09-8910CC3C33ED}" srcId="{F76E200D-18A1-4D1A-BE4D-8AECB3C7FED6}" destId="{6E26A000-B6C8-462A-BAEA-954221459F77}" srcOrd="3" destOrd="0" parTransId="{D348CD4E-E2E1-4E86-889C-C3D152379AC1}" sibTransId="{3D19755E-73DC-4261-9CD7-7349BDF686B5}"/>
+    <dgm:cxn modelId="{B5ADE7DA-874A-4514-B82E-47DF23548B4B}" srcId="{F76E200D-18A1-4D1A-BE4D-8AECB3C7FED6}" destId="{85A00CEA-4814-4C30-A78B-C0C86518D8FF}" srcOrd="0" destOrd="0" parTransId="{87502ED2-6E4A-4864-9134-A321E57C4D0B}" sibTransId="{CFC42912-1D8D-49A4-A06E-7E6762F475A2}"/>
     <dgm:cxn modelId="{1606A01A-66B8-4436-983B-A0A80B72299A}" type="presOf" srcId="{CFC42912-1D8D-49A4-A06E-7E6762F475A2}" destId="{4C6563B0-88A9-48CC-87C5-FC686633E53E}" srcOrd="0" destOrd="0" presId="urn:microsoft.com/office/officeart/2008/layout/VerticalCurvedList"/>
-    <dgm:cxn modelId="{1C2C5951-6B1F-4005-AABA-5CB0CEFCABDA}" type="presOf" srcId="{ADC002E2-B30C-4AD2-AC6E-D34F6BA7EB85}" destId="{6FF6C3F5-9EAE-4D5F-AB4C-7A7960F6BDBF}" srcOrd="0" destOrd="0" presId="urn:microsoft.com/office/officeart/2008/layout/VerticalCurvedList"/>
-    <dgm:cxn modelId="{45E04B88-F9DE-4108-9307-B88241860AB2}" srcId="{F76E200D-18A1-4D1A-BE4D-8AECB3C7FED6}" destId="{ADC002E2-B30C-4AD2-AC6E-D34F6BA7EB85}" srcOrd="1" destOrd="0" parTransId="{356E0FA4-3A27-4F3C-B669-F7AB4E3E4229}" sibTransId="{67ADBA66-7F44-4C2A-8D27-17A4DFBFB655}"/>
-    <dgm:cxn modelId="{B5ADE7DA-874A-4514-B82E-47DF23548B4B}" srcId="{F76E200D-18A1-4D1A-BE4D-8AECB3C7FED6}" destId="{85A00CEA-4814-4C30-A78B-C0C86518D8FF}" srcOrd="0" destOrd="0" parTransId="{87502ED2-6E4A-4864-9134-A321E57C4D0B}" sibTransId="{CFC42912-1D8D-49A4-A06E-7E6762F475A2}"/>
-    <dgm:cxn modelId="{ACDCC0E1-B0D2-4B1F-A6E2-9676D9F92F16}" type="presOf" srcId="{F76E200D-18A1-4D1A-BE4D-8AECB3C7FED6}" destId="{2A452FC3-A84F-4B14-8626-A25BD9496BBA}" srcOrd="0" destOrd="0" presId="urn:microsoft.com/office/officeart/2008/layout/VerticalCurvedList"/>
-    <dgm:cxn modelId="{CAF543CF-8AAF-45B5-8629-B145DBB959E3}" type="presOf" srcId="{6E26A000-B6C8-462A-BAEA-954221459F77}" destId="{AE845C0C-226D-42C0-862A-A51F7223B310}" srcOrd="0" destOrd="0" presId="urn:microsoft.com/office/officeart/2008/layout/VerticalCurvedList"/>
     <dgm:cxn modelId="{FCA5336E-CD49-4B00-9D8B-1074A29753C4}" type="presParOf" srcId="{2A452FC3-A84F-4B14-8626-A25BD9496BBA}" destId="{F4CBEA48-9AE7-4833-8C8D-6A802BDA78AB}" srcOrd="0" destOrd="0" presId="urn:microsoft.com/office/officeart/2008/layout/VerticalCurvedList"/>
     <dgm:cxn modelId="{743FE204-1CF6-4675-8AB8-90B42983C9AC}" type="presParOf" srcId="{F4CBEA48-9AE7-4833-8C8D-6A802BDA78AB}" destId="{091488D4-BA2D-4170-8775-24673CF322D2}" srcOrd="0" destOrd="0" presId="urn:microsoft.com/office/officeart/2008/layout/VerticalCurvedList"/>
     <dgm:cxn modelId="{9BA23A4A-55E5-4B0C-9FEA-F4115A851C4B}" type="presParOf" srcId="{091488D4-BA2D-4170-8775-24673CF322D2}" destId="{C055F35B-526E-4F75-965B-BB0C6E0672E2}" srcOrd="0" destOrd="0" presId="urn:microsoft.com/office/officeart/2008/layout/VerticalCurvedList"/>
@@ -7092,19 +7092,19 @@
     </dgm:pt>
   </dgm:ptLst>
   <dgm:cxnLst>
-    <dgm:cxn modelId="{44A218E8-9769-49EB-A526-3E321D123006}" type="presOf" srcId="{4FE8ACD9-ADBC-47A1-8603-79BE993E4A1B}" destId="{62C144C1-0A9D-495E-890A-D13DDB5247A4}" srcOrd="0" destOrd="0" presId="urn:microsoft.com/office/officeart/2005/8/layout/hProcess11"/>
-    <dgm:cxn modelId="{FD85D65D-1B93-4E74-ADCB-D4F9EF6F41A8}" type="presOf" srcId="{0C1949F0-B5A4-4A43-9C1B-F2F5BBF35CFF}" destId="{EA7097AF-A356-4FC1-921A-479BFAA2F70C}" srcOrd="0" destOrd="0" presId="urn:microsoft.com/office/officeart/2005/8/layout/hProcess11"/>
-    <dgm:cxn modelId="{1987A6BA-A91F-4BA8-B8CD-508E4E7A1647}" srcId="{CE8C04B2-3E7A-4312-B25D-01CAAC272196}" destId="{D444BB9C-1C73-4D39-880E-FD6FA1FB53D6}" srcOrd="5" destOrd="0" parTransId="{40DE2E27-65A1-4BC0-9A42-8BCA28F02E2B}" sibTransId="{48A8E739-BEB9-45CB-8EAD-CAC2C2389FCE}"/>
     <dgm:cxn modelId="{069D4A43-A6B7-4111-B40B-F57F2FFF1BB9}" type="presOf" srcId="{E0CD977F-1ACE-4E8E-994B-5FF5226ADD76}" destId="{281AF0D6-3A52-44D2-AD77-850474272CB5}" srcOrd="0" destOrd="0" presId="urn:microsoft.com/office/officeart/2005/8/layout/hProcess11"/>
-    <dgm:cxn modelId="{198255CE-BB18-4016-AD88-25FC7CACDABF}" type="presOf" srcId="{CE8C04B2-3E7A-4312-B25D-01CAAC272196}" destId="{1A534BDE-A6F8-45BA-8BC5-E9C217D946A8}" srcOrd="0" destOrd="0" presId="urn:microsoft.com/office/officeart/2005/8/layout/hProcess11"/>
+    <dgm:cxn modelId="{1C142D3E-46FE-4D56-8A88-8AF5EA49974E}" type="presOf" srcId="{3E6303E0-A156-470B-A5B2-0AE5E9C73F72}" destId="{F84ED816-E4C4-49E8-A48B-DE6180738B27}" srcOrd="0" destOrd="0" presId="urn:microsoft.com/office/officeart/2005/8/layout/hProcess11"/>
     <dgm:cxn modelId="{53EF2DE2-69A0-4446-80FB-0E71CAC45245}" srcId="{CE8C04B2-3E7A-4312-B25D-01CAAC272196}" destId="{E0CD977F-1ACE-4E8E-994B-5FF5226ADD76}" srcOrd="3" destOrd="0" parTransId="{3E4CBA17-E51C-43DB-A268-91A231D1A50F}" sibTransId="{3571D151-BFFF-489B-BA25-B2C317BE4A66}"/>
+    <dgm:cxn modelId="{D348FBFB-C47E-4249-A669-7D0D4F4F6530}" type="presOf" srcId="{D444BB9C-1C73-4D39-880E-FD6FA1FB53D6}" destId="{CFF544D7-1AC8-44D9-9C01-F06AB2156752}" srcOrd="0" destOrd="0" presId="urn:microsoft.com/office/officeart/2005/8/layout/hProcess11"/>
+    <dgm:cxn modelId="{CDF52909-A0CC-436A-A9D5-3F9499DC08F0}" srcId="{CE8C04B2-3E7A-4312-B25D-01CAAC272196}" destId="{4FE8ACD9-ADBC-47A1-8603-79BE993E4A1B}" srcOrd="0" destOrd="0" parTransId="{FA2D44F2-754C-43A6-85AF-D2AC2DC43483}" sibTransId="{E6BFA81C-C49E-4F54-8715-271F5E4B3567}"/>
     <dgm:cxn modelId="{07E669AE-496B-4579-B97A-4C6B332F8B17}" type="presOf" srcId="{45B15FC8-FBF2-4F44-B703-438E048FCCED}" destId="{C324ABDF-CFF4-42EB-A553-9054E2A547DB}" srcOrd="0" destOrd="0" presId="urn:microsoft.com/office/officeart/2005/8/layout/hProcess11"/>
     <dgm:cxn modelId="{E2D17D69-386B-4434-BE81-E997F2036943}" srcId="{CE8C04B2-3E7A-4312-B25D-01CAAC272196}" destId="{3E6303E0-A156-470B-A5B2-0AE5E9C73F72}" srcOrd="1" destOrd="0" parTransId="{A4D18CCE-14BD-46F1-BF7F-5C96DEB1DB13}" sibTransId="{768D95DC-A110-4819-B23A-E3E4928B545F}"/>
-    <dgm:cxn modelId="{CDF52909-A0CC-436A-A9D5-3F9499DC08F0}" srcId="{CE8C04B2-3E7A-4312-B25D-01CAAC272196}" destId="{4FE8ACD9-ADBC-47A1-8603-79BE993E4A1B}" srcOrd="0" destOrd="0" parTransId="{FA2D44F2-754C-43A6-85AF-D2AC2DC43483}" sibTransId="{E6BFA81C-C49E-4F54-8715-271F5E4B3567}"/>
-    <dgm:cxn modelId="{1C142D3E-46FE-4D56-8A88-8AF5EA49974E}" type="presOf" srcId="{3E6303E0-A156-470B-A5B2-0AE5E9C73F72}" destId="{F84ED816-E4C4-49E8-A48B-DE6180738B27}" srcOrd="0" destOrd="0" presId="urn:microsoft.com/office/officeart/2005/8/layout/hProcess11"/>
+    <dgm:cxn modelId="{A517D745-0038-4C3C-B5C6-D9228F8A4476}" srcId="{CE8C04B2-3E7A-4312-B25D-01CAAC272196}" destId="{0C1949F0-B5A4-4A43-9C1B-F2F5BBF35CFF}" srcOrd="4" destOrd="0" parTransId="{1AAA0957-8D46-4287-88BB-6E2FD3708F1B}" sibTransId="{327DAF6D-6276-4E1C-8D64-539F8E74C2E9}"/>
+    <dgm:cxn modelId="{FD85D65D-1B93-4E74-ADCB-D4F9EF6F41A8}" type="presOf" srcId="{0C1949F0-B5A4-4A43-9C1B-F2F5BBF35CFF}" destId="{EA7097AF-A356-4FC1-921A-479BFAA2F70C}" srcOrd="0" destOrd="0" presId="urn:microsoft.com/office/officeart/2005/8/layout/hProcess11"/>
+    <dgm:cxn modelId="{198255CE-BB18-4016-AD88-25FC7CACDABF}" type="presOf" srcId="{CE8C04B2-3E7A-4312-B25D-01CAAC272196}" destId="{1A534BDE-A6F8-45BA-8BC5-E9C217D946A8}" srcOrd="0" destOrd="0" presId="urn:microsoft.com/office/officeart/2005/8/layout/hProcess11"/>
     <dgm:cxn modelId="{71050F17-FB92-4FD0-A5CD-3552D95ECE98}" srcId="{CE8C04B2-3E7A-4312-B25D-01CAAC272196}" destId="{45B15FC8-FBF2-4F44-B703-438E048FCCED}" srcOrd="2" destOrd="0" parTransId="{4EAEC451-8AC8-476D-8025-3C8BCF7318F3}" sibTransId="{CF88B928-E52C-4F81-819C-870894B6F847}"/>
-    <dgm:cxn modelId="{A517D745-0038-4C3C-B5C6-D9228F8A4476}" srcId="{CE8C04B2-3E7A-4312-B25D-01CAAC272196}" destId="{0C1949F0-B5A4-4A43-9C1B-F2F5BBF35CFF}" srcOrd="4" destOrd="0" parTransId="{1AAA0957-8D46-4287-88BB-6E2FD3708F1B}" sibTransId="{327DAF6D-6276-4E1C-8D64-539F8E74C2E9}"/>
-    <dgm:cxn modelId="{D348FBFB-C47E-4249-A669-7D0D4F4F6530}" type="presOf" srcId="{D444BB9C-1C73-4D39-880E-FD6FA1FB53D6}" destId="{CFF544D7-1AC8-44D9-9C01-F06AB2156752}" srcOrd="0" destOrd="0" presId="urn:microsoft.com/office/officeart/2005/8/layout/hProcess11"/>
+    <dgm:cxn modelId="{1987A6BA-A91F-4BA8-B8CD-508E4E7A1647}" srcId="{CE8C04B2-3E7A-4312-B25D-01CAAC272196}" destId="{D444BB9C-1C73-4D39-880E-FD6FA1FB53D6}" srcOrd="5" destOrd="0" parTransId="{40DE2E27-65A1-4BC0-9A42-8BCA28F02E2B}" sibTransId="{48A8E739-BEB9-45CB-8EAD-CAC2C2389FCE}"/>
+    <dgm:cxn modelId="{44A218E8-9769-49EB-A526-3E321D123006}" type="presOf" srcId="{4FE8ACD9-ADBC-47A1-8603-79BE993E4A1B}" destId="{62C144C1-0A9D-495E-890A-D13DDB5247A4}" srcOrd="0" destOrd="0" presId="urn:microsoft.com/office/officeart/2005/8/layout/hProcess11"/>
     <dgm:cxn modelId="{928621A5-E05F-4AA8-BA65-7267247F982A}" type="presParOf" srcId="{1A534BDE-A6F8-45BA-8BC5-E9C217D946A8}" destId="{057B9CF0-07B5-4187-A4E4-85AEA80B5EDF}" srcOrd="0" destOrd="0" presId="urn:microsoft.com/office/officeart/2005/8/layout/hProcess11"/>
     <dgm:cxn modelId="{BC617665-AD3E-49BE-BE74-C070C5C2B814}" type="presParOf" srcId="{1A534BDE-A6F8-45BA-8BC5-E9C217D946A8}" destId="{EF3523EF-ACA0-46A1-9806-015D79A8E122}" srcOrd="1" destOrd="0" presId="urn:microsoft.com/office/officeart/2005/8/layout/hProcess11"/>
     <dgm:cxn modelId="{192AE2AC-131E-4A05-B04B-E5CF9514F24D}" type="presParOf" srcId="{EF3523EF-ACA0-46A1-9806-015D79A8E122}" destId="{27D54C68-B8A1-4CB4-A57D-2827F096D3D9}" srcOrd="0" destOrd="0" presId="urn:microsoft.com/office/officeart/2005/8/layout/hProcess11"/>
@@ -26481,6 +26481,19 @@
           <a:prstGeom prst="ellipse">
             <a:avLst/>
           </a:prstGeom>
+          <a:blipFill dpi="0" rotWithShape="1">
+            <a:blip r:embed="rId6">
+              <a:extLst>
+                <a:ext uri="{28A0092B-C50C-407E-A947-70E740481C1C}">
+                  <a14:useLocalDpi xmlns:a14="http://schemas.microsoft.com/office/drawing/2010/main" val="0"/>
+                </a:ext>
+              </a:extLst>
+            </a:blip>
+            <a:srcRect/>
+            <a:stretch>
+              <a:fillRect/>
+            </a:stretch>
+          </a:blipFill>
         </p:spPr>
         <p:style>
           <a:lnRef idx="2">
